--- a/31_RunBuilder.pptx
+++ b/31_RunBuilder.pptx
@@ -3878,7 +3878,7 @@
               <a:rPr lang="en-US" sz="1600" dirty="0">
                 <a:hlinkClick r:id="rId2"/>
               </a:rPr>
-              <a:t>https://www.youtube.com/watch?v=ycxulUVoNbk&amp;list=PLZbbT5o_s2xrfNyHZsM6ufI0iZENK9xgG&amp;index=30</a:t>
+              <a:t>https://www.youtube.com/watch?v=NSKghk0pcco&amp;list=PLZbbT5o_s2xrfNyHZsM6ufI0iZENK9xgG&amp;index=31</a:t>
             </a:r>
             <a:endParaRPr kumimoji="0" lang="zh-TW" altLang="en-US" sz="1600" b="0" i="0" u="none" strike="noStrike" kern="1200" cap="none" spc="0" normalizeH="0" baseline="0" noProof="0" dirty="0">
               <a:ln>
@@ -4526,7 +4526,7 @@
               <a:rPr lang="en-US" sz="1600" dirty="0">
                 <a:hlinkClick r:id="rId2"/>
               </a:rPr>
-              <a:t>https://www.youtube.com/watch?v=ycxulUVoNbk&amp;list=PLZbbT5o_s2xrfNyHZsM6ufI0iZENK9xgG&amp;index=30</a:t>
+              <a:t>https://www.youtube.com/watch?v=NSKghk0pcco&amp;list=PLZbbT5o_s2xrfNyHZsM6ufI0iZENK9xgG&amp;index=31</a:t>
             </a:r>
             <a:endParaRPr kumimoji="0" lang="zh-TW" altLang="en-US" sz="1600" b="0" i="0" u="none" strike="noStrike" kern="1200" cap="none" spc="0" normalizeH="0" baseline="0" noProof="0" dirty="0">
               <a:ln>
@@ -4842,7 +4842,7 @@
               <a:rPr lang="en-US" sz="1600" dirty="0">
                 <a:hlinkClick r:id="rId2"/>
               </a:rPr>
-              <a:t>https://www.youtube.com/watch?v=ycxulUVoNbk&amp;list=PLZbbT5o_s2xrfNyHZsM6ufI0iZENK9xgG&amp;index=30</a:t>
+              <a:t>https://www.youtube.com/watch?v=NSKghk0pcco&amp;list=PLZbbT5o_s2xrfNyHZsM6ufI0iZENK9xgG&amp;index=31</a:t>
             </a:r>
             <a:endParaRPr kumimoji="0" lang="zh-TW" altLang="en-US" sz="1600" b="0" i="0" u="none" strike="noStrike" kern="1200" cap="none" spc="0" normalizeH="0" baseline="0" noProof="0" dirty="0">
               <a:ln>
@@ -5492,7 +5492,7 @@
               <a:rPr lang="en-US" sz="1600" dirty="0">
                 <a:hlinkClick r:id="rId2"/>
               </a:rPr>
-              <a:t>https://www.youtube.com/watch?v=ycxulUVoNbk&amp;list=PLZbbT5o_s2xrfNyHZsM6ufI0iZENK9xgG&amp;index=30</a:t>
+              <a:t>https://www.youtube.com/watch?v=NSKghk0pcco&amp;list=PLZbbT5o_s2xrfNyHZsM6ufI0iZENK9xgG&amp;index=31</a:t>
             </a:r>
             <a:endParaRPr kumimoji="0" lang="zh-TW" altLang="en-US" sz="1600" b="0" i="0" u="none" strike="noStrike" kern="1200" cap="none" spc="0" normalizeH="0" baseline="0" noProof="0" dirty="0">
               <a:ln>
@@ -5979,7 +5979,7 @@
               <a:rPr lang="en-US" sz="1600" dirty="0">
                 <a:hlinkClick r:id="rId2"/>
               </a:rPr>
-              <a:t>https://www.youtube.com/watch?v=ycxulUVoNbk&amp;list=PLZbbT5o_s2xrfNyHZsM6ufI0iZENK9xgG&amp;index=30</a:t>
+              <a:t>https://www.youtube.com/watch?v=NSKghk0pcco&amp;list=PLZbbT5o_s2xrfNyHZsM6ufI0iZENK9xgG&amp;index=31</a:t>
             </a:r>
             <a:endParaRPr kumimoji="0" lang="zh-TW" altLang="en-US" sz="1600" b="0" i="0" u="none" strike="noStrike" kern="1200" cap="none" spc="0" normalizeH="0" baseline="0" noProof="0" dirty="0">
               <a:ln>
@@ -6854,7 +6854,7 @@
               <a:rPr lang="en-US" sz="1600" dirty="0">
                 <a:hlinkClick r:id="rId2"/>
               </a:rPr>
-              <a:t>https://www.youtube.com/watch?v=ycxulUVoNbk&amp;list=PLZbbT5o_s2xrfNyHZsM6ufI0iZENK9xgG&amp;index=30</a:t>
+              <a:t>https://www.youtube.com/watch?v=NSKghk0pcco&amp;list=PLZbbT5o_s2xrfNyHZsM6ufI0iZENK9xgG&amp;index=31</a:t>
             </a:r>
             <a:endParaRPr kumimoji="0" lang="zh-TW" altLang="en-US" sz="1600" b="0" i="0" u="none" strike="noStrike" kern="1200" cap="none" spc="0" normalizeH="0" baseline="0" noProof="0" dirty="0">
               <a:ln>
@@ -7815,7 +7815,7 @@
               <a:rPr lang="en-US" sz="1600" dirty="0">
                 <a:hlinkClick r:id="rId2"/>
               </a:rPr>
-              <a:t>https://www.youtube.com/watch?v=ycxulUVoNbk&amp;list=PLZbbT5o_s2xrfNyHZsM6ufI0iZENK9xgG&amp;index=30</a:t>
+              <a:t>https://www.youtube.com/watch?v=NSKghk0pcco&amp;list=PLZbbT5o_s2xrfNyHZsM6ufI0iZENK9xgG&amp;index=31</a:t>
             </a:r>
             <a:endParaRPr kumimoji="0" lang="zh-TW" altLang="en-US" sz="1600" b="0" i="0" u="none" strike="noStrike" kern="1200" cap="none" spc="0" normalizeH="0" baseline="0" noProof="0" dirty="0">
               <a:ln>
@@ -8164,7 +8164,7 @@
               <a:rPr lang="en-US" sz="1600" dirty="0">
                 <a:hlinkClick r:id="rId2"/>
               </a:rPr>
-              <a:t>https://www.youtube.com/watch?v=ycxulUVoNbk&amp;list=PLZbbT5o_s2xrfNyHZsM6ufI0iZENK9xgG&amp;index=30</a:t>
+              <a:t>https://www.youtube.com/watch?v=NSKghk0pcco&amp;list=PLZbbT5o_s2xrfNyHZsM6ufI0iZENK9xgG&amp;index=31</a:t>
             </a:r>
             <a:endParaRPr kumimoji="0" lang="zh-TW" altLang="en-US" sz="1600" b="0" i="0" u="none" strike="noStrike" kern="1200" cap="none" spc="0" normalizeH="0" baseline="0" noProof="0" dirty="0">
               <a:ln>
@@ -8597,7 +8597,7 @@
               <a:rPr lang="en-US" sz="1600" dirty="0">
                 <a:hlinkClick r:id="rId2"/>
               </a:rPr>
-              <a:t>https://www.youtube.com/watch?v=ycxulUVoNbk&amp;list=PLZbbT5o_s2xrfNyHZsM6ufI0iZENK9xgG&amp;index=30</a:t>
+              <a:t>https://www.youtube.com/watch?v=NSKghk0pcco&amp;list=PLZbbT5o_s2xrfNyHZsM6ufI0iZENK9xgG&amp;index=31</a:t>
             </a:r>
             <a:endParaRPr kumimoji="0" lang="zh-TW" altLang="en-US" sz="1600" b="0" i="0" u="none" strike="noStrike" kern="1200" cap="none" spc="0" normalizeH="0" baseline="0" noProof="0" dirty="0">
               <a:ln>
@@ -9165,7 +9165,7 @@
               <a:rPr lang="en-US" sz="1600" dirty="0">
                 <a:hlinkClick r:id="rId2"/>
               </a:rPr>
-              <a:t>https://www.youtube.com/watch?v=ycxulUVoNbk&amp;list=PLZbbT5o_s2xrfNyHZsM6ufI0iZENK9xgG&amp;index=30</a:t>
+              <a:t>https://www.youtube.com/watch?v=NSKghk0pcco&amp;list=PLZbbT5o_s2xrfNyHZsM6ufI0iZENK9xgG&amp;index=31</a:t>
             </a:r>
             <a:endParaRPr kumimoji="0" lang="zh-TW" altLang="en-US" sz="1600" b="0" i="0" u="none" strike="noStrike" kern="1200" cap="none" spc="0" normalizeH="0" baseline="0" noProof="0" dirty="0">
               <a:ln>
@@ -9758,7 +9758,7 @@
               <a:rPr lang="en-US" sz="1600" dirty="0">
                 <a:hlinkClick r:id="rId2"/>
               </a:rPr>
-              <a:t>https://www.youtube.com/watch?v=ycxulUVoNbk&amp;list=PLZbbT5o_s2xrfNyHZsM6ufI0iZENK9xgG&amp;index=30</a:t>
+              <a:t>https://www.youtube.com/watch?v=NSKghk0pcco&amp;list=PLZbbT5o_s2xrfNyHZsM6ufI0iZENK9xgG&amp;index=31</a:t>
             </a:r>
             <a:endParaRPr kumimoji="0" lang="zh-TW" altLang="en-US" sz="1600" b="0" i="0" u="none" strike="noStrike" kern="1200" cap="none" spc="0" normalizeH="0" baseline="0" noProof="0" dirty="0">
               <a:ln>
@@ -10077,7 +10077,7 @@
               <a:rPr lang="en-US" sz="1600" dirty="0">
                 <a:hlinkClick r:id="rId2"/>
               </a:rPr>
-              <a:t>https://www.youtube.com/watch?v=ycxulUVoNbk&amp;list=PLZbbT5o_s2xrfNyHZsM6ufI0iZENK9xgG&amp;index=30</a:t>
+              <a:t>https://www.youtube.com/watch?v=NSKghk0pcco&amp;list=PLZbbT5o_s2xrfNyHZsM6ufI0iZENK9xgG&amp;index=31</a:t>
             </a:r>
             <a:endParaRPr kumimoji="0" lang="zh-TW" altLang="en-US" sz="1600" b="0" i="0" u="none" strike="noStrike" kern="1200" cap="none" spc="0" normalizeH="0" baseline="0" noProof="0" dirty="0">
               <a:ln>
@@ -10729,7 +10729,7 @@
               <a:rPr lang="en-US" sz="1600" dirty="0">
                 <a:hlinkClick r:id="rId2"/>
               </a:rPr>
-              <a:t>https://www.youtube.com/watch?v=ycxulUVoNbk&amp;list=PLZbbT5o_s2xrfNyHZsM6ufI0iZENK9xgG&amp;index=30</a:t>
+              <a:t>https://www.youtube.com/watch?v=NSKghk0pcco&amp;list=PLZbbT5o_s2xrfNyHZsM6ufI0iZENK9xgG&amp;index=31</a:t>
             </a:r>
             <a:endParaRPr kumimoji="0" lang="zh-TW" altLang="en-US" sz="1600" b="0" i="0" u="none" strike="noStrike" kern="1200" cap="none" spc="0" normalizeH="0" baseline="0" noProof="0" dirty="0">
               <a:ln>
@@ -11444,7 +11444,7 @@
               <a:rPr lang="en-US" sz="1600" dirty="0">
                 <a:hlinkClick r:id="rId2"/>
               </a:rPr>
-              <a:t>https://www.youtube.com/watch?v=ycxulUVoNbk&amp;list=PLZbbT5o_s2xrfNyHZsM6ufI0iZENK9xgG&amp;index=30</a:t>
+              <a:t>https://www.youtube.com/watch?v=NSKghk0pcco&amp;list=PLZbbT5o_s2xrfNyHZsM6ufI0iZENK9xgG&amp;index=31</a:t>
             </a:r>
             <a:endParaRPr kumimoji="0" lang="zh-TW" altLang="en-US" sz="1600" b="0" i="0" u="none" strike="noStrike" kern="1200" cap="none" spc="0" normalizeH="0" baseline="0" noProof="0" dirty="0">
               <a:ln>
@@ -11859,7 +11859,7 @@
               <a:rPr lang="en-US" sz="1600" dirty="0">
                 <a:hlinkClick r:id="rId2"/>
               </a:rPr>
-              <a:t>https://www.youtube.com/watch?v=ycxulUVoNbk&amp;list=PLZbbT5o_s2xrfNyHZsM6ufI0iZENK9xgG&amp;index=30</a:t>
+              <a:t>https://www.youtube.com/watch?v=NSKghk0pcco&amp;list=PLZbbT5o_s2xrfNyHZsM6ufI0iZENK9xgG&amp;index=31</a:t>
             </a:r>
             <a:endParaRPr kumimoji="0" lang="zh-TW" altLang="en-US" sz="1600" b="0" i="0" u="none" strike="noStrike" kern="1200" cap="none" spc="0" normalizeH="0" baseline="0" noProof="0" dirty="0">
               <a:ln>
@@ -12160,7 +12160,7 @@
               <a:rPr lang="en-US" sz="1600" dirty="0">
                 <a:hlinkClick r:id="rId2"/>
               </a:rPr>
-              <a:t>https://www.youtube.com/watch?v=ycxulUVoNbk&amp;list=PLZbbT5o_s2xrfNyHZsM6ufI0iZENK9xgG&amp;index=30</a:t>
+              <a:t>https://www.youtube.com/watch?v=NSKghk0pcco&amp;list=PLZbbT5o_s2xrfNyHZsM6ufI0iZENK9xgG&amp;index=31</a:t>
             </a:r>
             <a:endParaRPr kumimoji="0" lang="zh-TW" altLang="en-US" sz="1600" b="0" i="0" u="none" strike="noStrike" kern="1200" cap="none" spc="0" normalizeH="0" baseline="0" noProof="0" dirty="0">
               <a:ln>
@@ -12935,7 +12935,7 @@
               <a:rPr lang="en-US" sz="1600" dirty="0">
                 <a:hlinkClick r:id="rId3"/>
               </a:rPr>
-              <a:t>https://www.youtube.com/watch?v=ycxulUVoNbk&amp;list=PLZbbT5o_s2xrfNyHZsM6ufI0iZENK9xgG&amp;index=30</a:t>
+              <a:t>https://www.youtube.com/watch?v=NSKghk0pcco&amp;list=PLZbbT5o_s2xrfNyHZsM6ufI0iZENK9xgG&amp;index=31</a:t>
             </a:r>
             <a:endParaRPr kumimoji="0" lang="zh-TW" altLang="en-US" sz="1600" b="0" i="0" u="none" strike="noStrike" kern="1200" cap="none" spc="0" normalizeH="0" baseline="0" noProof="0" dirty="0">
               <a:ln>
@@ -13718,7 +13718,7 @@
               <a:rPr lang="en-US" sz="1600" dirty="0">
                 <a:hlinkClick r:id="rId2"/>
               </a:rPr>
-              <a:t>https://www.youtube.com/watch?v=ycxulUVoNbk&amp;list=PLZbbT5o_s2xrfNyHZsM6ufI0iZENK9xgG&amp;index=30</a:t>
+              <a:t>https://www.youtube.com/watch?v=NSKghk0pcco&amp;list=PLZbbT5o_s2xrfNyHZsM6ufI0iZENK9xgG&amp;index=31</a:t>
             </a:r>
             <a:endParaRPr kumimoji="0" lang="zh-TW" altLang="en-US" sz="1600" b="0" i="0" u="none" strike="noStrike" kern="1200" cap="none" spc="0" normalizeH="0" baseline="0" noProof="0" dirty="0">
               <a:ln>
@@ -14207,7 +14207,7 @@
               <a:rPr lang="en-US" sz="1600" dirty="0">
                 <a:hlinkClick r:id="rId2"/>
               </a:rPr>
-              <a:t>https://www.youtube.com/watch?v=ycxulUVoNbk&amp;list=PLZbbT5o_s2xrfNyHZsM6ufI0iZENK9xgG&amp;index=30</a:t>
+              <a:t>https://www.youtube.com/watch?v=NSKghk0pcco&amp;list=PLZbbT5o_s2xrfNyHZsM6ufI0iZENK9xgG&amp;index=31</a:t>
             </a:r>
             <a:endParaRPr kumimoji="0" lang="zh-TW" altLang="en-US" sz="1600" b="0" i="0" u="none" strike="noStrike" kern="1200" cap="none" spc="0" normalizeH="0" baseline="0" noProof="0" dirty="0">
               <a:ln>
@@ -14862,7 +14862,7 @@
               <a:rPr lang="en-US" sz="1600" dirty="0">
                 <a:hlinkClick r:id="rId2"/>
               </a:rPr>
-              <a:t>https://www.youtube.com/watch?v=ycxulUVoNbk&amp;list=PLZbbT5o_s2xrfNyHZsM6ufI0iZENK9xgG&amp;index=30</a:t>
+              <a:t>https://www.youtube.com/watch?v=NSKghk0pcco&amp;list=PLZbbT5o_s2xrfNyHZsM6ufI0iZENK9xgG&amp;index=31</a:t>
             </a:r>
             <a:endParaRPr kumimoji="0" lang="zh-TW" altLang="en-US" sz="1600" b="0" i="0" u="none" strike="noStrike" kern="1200" cap="none" spc="0" normalizeH="0" baseline="0" noProof="0" dirty="0">
               <a:ln>
@@ -15448,7 +15448,7 @@
               <a:rPr lang="en-US" sz="1600" dirty="0">
                 <a:hlinkClick r:id="rId2"/>
               </a:rPr>
-              <a:t>https://www.youtube.com/watch?v=ycxulUVoNbk&amp;list=PLZbbT5o_s2xrfNyHZsM6ufI0iZENK9xgG&amp;index=30</a:t>
+              <a:t>https://www.youtube.com/watch?v=NSKghk0pcco&amp;list=PLZbbT5o_s2xrfNyHZsM6ufI0iZENK9xgG&amp;index=31</a:t>
             </a:r>
             <a:endParaRPr kumimoji="0" lang="zh-TW" altLang="en-US" sz="1600" b="0" i="0" u="none" strike="noStrike" kern="1200" cap="none" spc="0" normalizeH="0" baseline="0" noProof="0" dirty="0">
               <a:ln>
@@ -15959,7 +15959,7 @@
               <a:rPr lang="en-US" sz="1600" dirty="0">
                 <a:hlinkClick r:id="rId3"/>
               </a:rPr>
-              <a:t>https://www.youtube.com/watch?v=ycxulUVoNbk&amp;list=PLZbbT5o_s2xrfNyHZsM6ufI0iZENK9xgG&amp;index=30</a:t>
+              <a:t>https://www.youtube.com/watch?v=NSKghk0pcco&amp;list=PLZbbT5o_s2xrfNyHZsM6ufI0iZENK9xgG&amp;index=31</a:t>
             </a:r>
             <a:endParaRPr kumimoji="0" lang="zh-TW" altLang="en-US" sz="1600" b="0" i="0" u="none" strike="noStrike" kern="1200" cap="none" spc="0" normalizeH="0" baseline="0" noProof="0" dirty="0">
               <a:ln>
